--- a/Computer Architecture.pptx
+++ b/Computer Architecture.pptx
@@ -278,7 +278,7 @@
           <a:p>
             <a:fld id="{4C1D1083-C661-4AAE-923A-E259BCBD300F}" type="datetimeFigureOut">
               <a:rPr lang="da-DK" smtClean="0"/>
-              <a:t>20-03-2018</a:t>
+              <a:t>21-03-2018</a:t>
             </a:fld>
             <a:endParaRPr lang="da-DK"/>
           </a:p>
@@ -476,7 +476,7 @@
           <a:p>
             <a:fld id="{4C1D1083-C661-4AAE-923A-E259BCBD300F}" type="datetimeFigureOut">
               <a:rPr lang="da-DK" smtClean="0"/>
-              <a:t>20-03-2018</a:t>
+              <a:t>21-03-2018</a:t>
             </a:fld>
             <a:endParaRPr lang="da-DK"/>
           </a:p>
@@ -684,7 +684,7 @@
           <a:p>
             <a:fld id="{4C1D1083-C661-4AAE-923A-E259BCBD300F}" type="datetimeFigureOut">
               <a:rPr lang="da-DK" smtClean="0"/>
-              <a:t>20-03-2018</a:t>
+              <a:t>21-03-2018</a:t>
             </a:fld>
             <a:endParaRPr lang="da-DK"/>
           </a:p>
@@ -882,7 +882,7 @@
           <a:p>
             <a:fld id="{4C1D1083-C661-4AAE-923A-E259BCBD300F}" type="datetimeFigureOut">
               <a:rPr lang="da-DK" smtClean="0"/>
-              <a:t>20-03-2018</a:t>
+              <a:t>21-03-2018</a:t>
             </a:fld>
             <a:endParaRPr lang="da-DK"/>
           </a:p>
@@ -1157,7 +1157,7 @@
           <a:p>
             <a:fld id="{4C1D1083-C661-4AAE-923A-E259BCBD300F}" type="datetimeFigureOut">
               <a:rPr lang="da-DK" smtClean="0"/>
-              <a:t>20-03-2018</a:t>
+              <a:t>21-03-2018</a:t>
             </a:fld>
             <a:endParaRPr lang="da-DK"/>
           </a:p>
@@ -1422,7 +1422,7 @@
           <a:p>
             <a:fld id="{4C1D1083-C661-4AAE-923A-E259BCBD300F}" type="datetimeFigureOut">
               <a:rPr lang="da-DK" smtClean="0"/>
-              <a:t>20-03-2018</a:t>
+              <a:t>21-03-2018</a:t>
             </a:fld>
             <a:endParaRPr lang="da-DK"/>
           </a:p>
@@ -1834,7 +1834,7 @@
           <a:p>
             <a:fld id="{4C1D1083-C661-4AAE-923A-E259BCBD300F}" type="datetimeFigureOut">
               <a:rPr lang="da-DK" smtClean="0"/>
-              <a:t>20-03-2018</a:t>
+              <a:t>21-03-2018</a:t>
             </a:fld>
             <a:endParaRPr lang="da-DK"/>
           </a:p>
@@ -1975,7 +1975,7 @@
           <a:p>
             <a:fld id="{4C1D1083-C661-4AAE-923A-E259BCBD300F}" type="datetimeFigureOut">
               <a:rPr lang="da-DK" smtClean="0"/>
-              <a:t>20-03-2018</a:t>
+              <a:t>21-03-2018</a:t>
             </a:fld>
             <a:endParaRPr lang="da-DK"/>
           </a:p>
@@ -2088,7 +2088,7 @@
           <a:p>
             <a:fld id="{4C1D1083-C661-4AAE-923A-E259BCBD300F}" type="datetimeFigureOut">
               <a:rPr lang="da-DK" smtClean="0"/>
-              <a:t>20-03-2018</a:t>
+              <a:t>21-03-2018</a:t>
             </a:fld>
             <a:endParaRPr lang="da-DK"/>
           </a:p>
@@ -2399,7 +2399,7 @@
           <a:p>
             <a:fld id="{4C1D1083-C661-4AAE-923A-E259BCBD300F}" type="datetimeFigureOut">
               <a:rPr lang="da-DK" smtClean="0"/>
-              <a:t>20-03-2018</a:t>
+              <a:t>21-03-2018</a:t>
             </a:fld>
             <a:endParaRPr lang="da-DK"/>
           </a:p>
@@ -2687,7 +2687,7 @@
           <a:p>
             <a:fld id="{4C1D1083-C661-4AAE-923A-E259BCBD300F}" type="datetimeFigureOut">
               <a:rPr lang="da-DK" smtClean="0"/>
-              <a:t>20-03-2018</a:t>
+              <a:t>21-03-2018</a:t>
             </a:fld>
             <a:endParaRPr lang="da-DK"/>
           </a:p>
@@ -2928,7 +2928,7 @@
           <a:p>
             <a:fld id="{4C1D1083-C661-4AAE-923A-E259BCBD300F}" type="datetimeFigureOut">
               <a:rPr lang="da-DK" smtClean="0"/>
-              <a:t>20-03-2018</a:t>
+              <a:t>21-03-2018</a:t>
             </a:fld>
             <a:endParaRPr lang="da-DK"/>
           </a:p>
@@ -5385,7 +5385,15 @@
             <a:pPr lvl="1"/>
             <a:r>
               <a:rPr lang="en-US" dirty="0"/>
-              <a:t>The method should return a string containing the decimal representation of the binary number.</a:t>
+              <a:t>The method should return </a:t>
+            </a:r>
+            <a:r>
+              <a:rPr lang="en-US"/>
+              <a:t>a int </a:t>
+            </a:r>
+            <a:r>
+              <a:rPr lang="en-US" dirty="0"/>
+              <a:t>containing the decimal representation of the binary number.</a:t>
             </a:r>
           </a:p>
           <a:p>
@@ -8050,134 +8058,134 @@
           <a:lstStyle/>
           <a:p>
             <a:r>
-              <a:rPr lang="en-US" sz="1100"/>
+              <a:rPr lang="en-US" sz="1100" dirty="0"/>
               <a:t>RAM (Random Access Memory)</a:t>
             </a:r>
           </a:p>
           <a:p>
             <a:pPr lvl="1"/>
             <a:r>
-              <a:rPr lang="en-US" sz="1100"/>
+              <a:rPr lang="en-US" sz="1100" dirty="0"/>
               <a:t>Fast and inexpensive</a:t>
             </a:r>
           </a:p>
           <a:p>
             <a:pPr lvl="1"/>
             <a:r>
-              <a:rPr lang="en-US" sz="1100"/>
+              <a:rPr lang="en-US" sz="1100" dirty="0"/>
               <a:t>Volatile (if power is lost, the data is lost)</a:t>
             </a:r>
           </a:p>
           <a:p>
             <a:pPr lvl="1"/>
             <a:r>
-              <a:rPr lang="en-US" sz="1100"/>
+              <a:rPr lang="en-US" sz="1100" dirty="0"/>
               <a:t>Main location where instructions and output are loaded.</a:t>
             </a:r>
           </a:p>
           <a:p>
             <a:r>
-              <a:rPr lang="en-US" sz="1100"/>
+              <a:rPr lang="en-US" sz="1100" dirty="0"/>
               <a:t>Cache</a:t>
             </a:r>
           </a:p>
           <a:p>
             <a:pPr lvl="1"/>
             <a:r>
-              <a:rPr lang="en-US" sz="1100"/>
+              <a:rPr lang="en-US" sz="1100" dirty="0"/>
               <a:t>Much faster than RAM</a:t>
             </a:r>
           </a:p>
           <a:p>
             <a:pPr lvl="1"/>
             <a:r>
-              <a:rPr lang="en-US" sz="1100"/>
+              <a:rPr lang="en-US" sz="1100" dirty="0"/>
               <a:t>More expensive</a:t>
             </a:r>
           </a:p>
           <a:p>
             <a:pPr lvl="1"/>
             <a:r>
-              <a:rPr lang="en-US" sz="1100"/>
+              <a:rPr lang="en-US" sz="1100" dirty="0"/>
               <a:t>Located on the CPU (but in the Von Neumann architecture it is still part of the memory unit)</a:t>
             </a:r>
           </a:p>
           <a:p>
             <a:pPr lvl="1"/>
             <a:r>
-              <a:rPr lang="en-US" sz="1100"/>
+              <a:rPr lang="en-US" sz="1100" dirty="0"/>
               <a:t>Can be accessed very quickly by the CPU </a:t>
             </a:r>
           </a:p>
           <a:p>
             <a:pPr lvl="2"/>
             <a:r>
-              <a:rPr lang="en-US" sz="1100"/>
+              <a:rPr lang="en-US" sz="1100" dirty="0"/>
               <a:t>L1 cache fastest, located in the middle of a CPU core.</a:t>
             </a:r>
           </a:p>
           <a:p>
             <a:pPr lvl="2"/>
             <a:r>
-              <a:rPr lang="en-US" sz="1100"/>
+              <a:rPr lang="en-US" sz="1100" dirty="0"/>
               <a:t>L2 cache is slower, and is located on the edge of a core, allowing it to be larger. </a:t>
             </a:r>
           </a:p>
           <a:p>
             <a:pPr lvl="2"/>
             <a:r>
-              <a:rPr lang="en-US" sz="1100"/>
+              <a:rPr lang="en-US" sz="1100" dirty="0"/>
               <a:t>L3 is located across all the cores of a CPU it helps the cores communication with each other. It is the largest, but not anywhere near the size of RAM.</a:t>
             </a:r>
           </a:p>
           <a:p>
             <a:r>
-              <a:rPr lang="en-US" sz="1100"/>
+              <a:rPr lang="en-US" sz="1100" dirty="0"/>
               <a:t>Secondary memory (storage)</a:t>
             </a:r>
           </a:p>
           <a:p>
             <a:pPr lvl="1"/>
             <a:r>
-              <a:rPr lang="en-US" sz="1100"/>
+              <a:rPr lang="en-US" sz="1100" dirty="0"/>
               <a:t>Hard drive/SSD</a:t>
             </a:r>
           </a:p>
           <a:p>
             <a:pPr lvl="1"/>
             <a:r>
-              <a:rPr lang="en-US" sz="1100"/>
+              <a:rPr lang="en-US" sz="1100" dirty="0"/>
               <a:t>Largest capacity</a:t>
             </a:r>
           </a:p>
           <a:p>
             <a:pPr lvl="1"/>
             <a:r>
-              <a:rPr lang="en-US" sz="1100"/>
+              <a:rPr lang="en-US" sz="1100" dirty="0"/>
               <a:t>Not volatile</a:t>
             </a:r>
           </a:p>
           <a:p>
             <a:pPr lvl="1"/>
             <a:r>
-              <a:rPr lang="en-US" sz="1100"/>
+              <a:rPr lang="en-US" sz="1100" dirty="0"/>
               <a:t>Much slower</a:t>
             </a:r>
           </a:p>
           <a:p>
             <a:pPr lvl="1"/>
             <a:r>
-              <a:rPr lang="en-US" sz="1100"/>
+              <a:rPr lang="en-US" sz="1100" dirty="0"/>
               <a:t>Virtual memory (if you run out of RAM)</a:t>
             </a:r>
           </a:p>
           <a:p>
             <a:pPr lvl="1"/>
-            <a:endParaRPr lang="en-US" sz="1100"/>
+            <a:endParaRPr lang="en-US" sz="1100" dirty="0"/>
           </a:p>
           <a:p>
             <a:pPr lvl="1"/>
-            <a:endParaRPr lang="en-US" sz="1100"/>
+            <a:endParaRPr lang="en-US" sz="1100" dirty="0"/>
           </a:p>
         </p:txBody>
       </p:sp>
